--- a/make_presentation/templates/templates/classic/_12.pptx
+++ b/make_presentation/templates/templates/classic/_12.pptx
@@ -75,12 +75,12 @@
               <a:buNone/>
             </a:pPr>
             <a:r>
-              <a:rPr b="0" lang="en-US" sz="3300" spc="-1" strike="noStrike">
+              <a:rPr b="0" lang="en-US" sz="4400" spc="-1" strike="noStrike">
                 <a:latin typeface="Arial"/>
               </a:rPr>
               <a:t>Click to move the slide</a:t>
             </a:r>
-            <a:endParaRPr b="0" lang="en-US" sz="3300" spc="-1" strike="noStrike">
+            <a:endParaRPr b="0" lang="en-US" sz="4400" spc="-1" strike="noStrike">
               <a:latin typeface="Arial"/>
             </a:endParaRPr>
           </a:p>
@@ -303,7 +303,7 @@
             <a:pPr algn="r">
               <a:buNone/>
             </a:pPr>
-            <a:fld id="{A5935244-5C9D-4AD5-907C-48F6D240B0AA}" type="slidenum">
+            <a:fld id="{235B53D4-1678-42E9-A30D-DCB9D1AAFA55}" type="slidenum">
               <a:rPr b="0" lang="en-US" sz="1400" spc="-1" strike="noStrike">
                 <a:latin typeface="Times New Roman"/>
               </a:rPr>
@@ -351,7 +351,7 @@
         <p:spPr>
           <a:xfrm>
             <a:off x="380880" y="685800"/>
-            <a:ext cx="6093360" cy="3426480"/>
+            <a:ext cx="6091200" cy="3424320"/>
           </a:xfrm>
           <a:prstGeom prst="rect">
             <a:avLst/>
@@ -374,7 +374,7 @@
         <p:spPr>
           <a:xfrm>
             <a:off x="685800" y="4343400"/>
-            <a:ext cx="5483880" cy="4112280"/>
+            <a:ext cx="5481720" cy="4110120"/>
           </a:xfrm>
           <a:prstGeom prst="rect">
             <a:avLst/>
@@ -408,7 +408,7 @@
         <p:spPr>
           <a:xfrm>
             <a:off x="3884760" y="8685360"/>
-            <a:ext cx="2969280" cy="454680"/>
+            <a:ext cx="2967120" cy="452520"/>
           </a:xfrm>
           <a:prstGeom prst="rect">
             <a:avLst/>
@@ -444,7 +444,7 @@
               </a:lnSpc>
               <a:buNone/>
             </a:pPr>
-            <a:fld id="{DC0B7DEA-D2AA-4E92-A9AA-97E4D73B4AB1}" type="slidenum">
+            <a:fld id="{9AA5A456-E356-4035-B53A-91D2CEBD97CC}" type="slidenum">
               <a:rPr b="0" lang="en-US" sz="1200" spc="-1" strike="noStrike">
                 <a:solidFill>
                   <a:srgbClr val="000000"/>
@@ -495,7 +495,7 @@
         <p:spPr>
           <a:xfrm>
             <a:off x="380880" y="685800"/>
-            <a:ext cx="6093360" cy="3426480"/>
+            <a:ext cx="6091200" cy="3424320"/>
           </a:xfrm>
           <a:prstGeom prst="rect">
             <a:avLst/>
@@ -518,7 +518,7 @@
         <p:spPr>
           <a:xfrm>
             <a:off x="685800" y="4343400"/>
-            <a:ext cx="5483880" cy="4112280"/>
+            <a:ext cx="5481720" cy="4110120"/>
           </a:xfrm>
           <a:prstGeom prst="rect">
             <a:avLst/>
@@ -552,7 +552,7 @@
         <p:spPr>
           <a:xfrm>
             <a:off x="3884760" y="8685360"/>
-            <a:ext cx="2969280" cy="454680"/>
+            <a:ext cx="2967120" cy="452520"/>
           </a:xfrm>
           <a:prstGeom prst="rect">
             <a:avLst/>
@@ -588,7 +588,7 @@
               </a:lnSpc>
               <a:buNone/>
             </a:pPr>
-            <a:fld id="{8A3C8DC2-9811-4EEE-AEDA-08668D014B9C}" type="slidenum">
+            <a:fld id="{AD988402-F28D-4C32-ADCA-46E6056C51B9}" type="slidenum">
               <a:rPr b="0" lang="en-US" sz="1200" spc="-1" strike="noStrike">
                 <a:solidFill>
                   <a:srgbClr val="000000"/>
@@ -639,7 +639,7 @@
         <p:spPr>
           <a:xfrm>
             <a:off x="380880" y="685800"/>
-            <a:ext cx="6093360" cy="3426480"/>
+            <a:ext cx="6091200" cy="3424320"/>
           </a:xfrm>
           <a:prstGeom prst="rect">
             <a:avLst/>
@@ -662,7 +662,7 @@
         <p:spPr>
           <a:xfrm>
             <a:off x="685800" y="4343400"/>
-            <a:ext cx="5483880" cy="4112280"/>
+            <a:ext cx="5481720" cy="4110120"/>
           </a:xfrm>
           <a:prstGeom prst="rect">
             <a:avLst/>
@@ -696,7 +696,7 @@
         <p:spPr>
           <a:xfrm>
             <a:off x="3884760" y="8685360"/>
-            <a:ext cx="2969280" cy="454680"/>
+            <a:ext cx="2967120" cy="452520"/>
           </a:xfrm>
           <a:prstGeom prst="rect">
             <a:avLst/>
@@ -732,7 +732,7 @@
               </a:lnSpc>
               <a:buNone/>
             </a:pPr>
-            <a:fld id="{A8C0BD29-848C-4512-8777-FF298EF42C50}" type="slidenum">
+            <a:fld id="{E827137C-C9DB-429C-93DB-D4F2476CCE58}" type="slidenum">
               <a:rPr b="0" lang="en-US" sz="1200" spc="-1" strike="noStrike">
                 <a:solidFill>
                   <a:srgbClr val="000000"/>
@@ -783,7 +783,7 @@
         <p:spPr>
           <a:xfrm>
             <a:off x="380880" y="685800"/>
-            <a:ext cx="6093360" cy="3426480"/>
+            <a:ext cx="6091200" cy="3424320"/>
           </a:xfrm>
           <a:prstGeom prst="rect">
             <a:avLst/>
@@ -806,7 +806,7 @@
         <p:spPr>
           <a:xfrm>
             <a:off x="685800" y="4343400"/>
-            <a:ext cx="5483880" cy="4112280"/>
+            <a:ext cx="5481720" cy="4110120"/>
           </a:xfrm>
           <a:prstGeom prst="rect">
             <a:avLst/>
@@ -840,7 +840,7 @@
         <p:spPr>
           <a:xfrm>
             <a:off x="3884760" y="8685360"/>
-            <a:ext cx="2969280" cy="454680"/>
+            <a:ext cx="2967120" cy="452520"/>
           </a:xfrm>
           <a:prstGeom prst="rect">
             <a:avLst/>
@@ -876,7 +876,7 @@
               </a:lnSpc>
               <a:buNone/>
             </a:pPr>
-            <a:fld id="{208E402C-3FD4-4951-850E-3FDE04A0EBBD}" type="slidenum">
+            <a:fld id="{59ABF393-96F7-44EA-A69B-2FE2BE090B91}" type="slidenum">
               <a:rPr b="0" lang="en-US" sz="1200" spc="-1" strike="noStrike">
                 <a:solidFill>
                   <a:srgbClr val="000000"/>
@@ -927,7 +927,7 @@
         <p:spPr>
           <a:xfrm>
             <a:off x="380880" y="685800"/>
-            <a:ext cx="6093360" cy="3426480"/>
+            <a:ext cx="6091200" cy="3424320"/>
           </a:xfrm>
           <a:prstGeom prst="rect">
             <a:avLst/>
@@ -950,7 +950,7 @@
         <p:spPr>
           <a:xfrm>
             <a:off x="685800" y="4343400"/>
-            <a:ext cx="5483880" cy="4112280"/>
+            <a:ext cx="5481720" cy="4110120"/>
           </a:xfrm>
           <a:prstGeom prst="rect">
             <a:avLst/>
@@ -984,7 +984,7 @@
         <p:spPr>
           <a:xfrm>
             <a:off x="3884760" y="8685360"/>
-            <a:ext cx="2969280" cy="454680"/>
+            <a:ext cx="2967120" cy="452520"/>
           </a:xfrm>
           <a:prstGeom prst="rect">
             <a:avLst/>
@@ -1020,7 +1020,7 @@
               </a:lnSpc>
               <a:buNone/>
             </a:pPr>
-            <a:fld id="{0198E116-5358-4DC2-A24C-7DC4419FC0A2}" type="slidenum">
+            <a:fld id="{C1E71F1D-D8F9-453D-BA6D-7B32504B4A77}" type="slidenum">
               <a:rPr b="0" lang="en-US" sz="1200" spc="-1" strike="noStrike">
                 <a:solidFill>
                   <a:srgbClr val="000000"/>
@@ -1071,7 +1071,7 @@
         <p:spPr>
           <a:xfrm>
             <a:off x="380880" y="685800"/>
-            <a:ext cx="6093360" cy="3426480"/>
+            <a:ext cx="6091200" cy="3424320"/>
           </a:xfrm>
           <a:prstGeom prst="rect">
             <a:avLst/>
@@ -1094,7 +1094,7 @@
         <p:spPr>
           <a:xfrm>
             <a:off x="685800" y="4343400"/>
-            <a:ext cx="5483880" cy="4112280"/>
+            <a:ext cx="5481720" cy="4110120"/>
           </a:xfrm>
           <a:prstGeom prst="rect">
             <a:avLst/>
@@ -1128,7 +1128,7 @@
         <p:spPr>
           <a:xfrm>
             <a:off x="3884760" y="8685360"/>
-            <a:ext cx="2969280" cy="454680"/>
+            <a:ext cx="2967120" cy="452520"/>
           </a:xfrm>
           <a:prstGeom prst="rect">
             <a:avLst/>
@@ -1164,7 +1164,7 @@
               </a:lnSpc>
               <a:buNone/>
             </a:pPr>
-            <a:fld id="{C47E066F-1E71-4C80-8B65-62C7485842CE}" type="slidenum">
+            <a:fld id="{43E4EDF3-CEB5-4316-B977-15CD4129796D}" type="slidenum">
               <a:rPr b="0" lang="en-US" sz="1200" spc="-1" strike="noStrike">
                 <a:solidFill>
                   <a:srgbClr val="000000"/>
@@ -1215,7 +1215,7 @@
         <p:spPr>
           <a:xfrm>
             <a:off x="380880" y="685800"/>
-            <a:ext cx="6093360" cy="3426480"/>
+            <a:ext cx="6091200" cy="3424320"/>
           </a:xfrm>
           <a:prstGeom prst="rect">
             <a:avLst/>
@@ -1238,7 +1238,7 @@
         <p:spPr>
           <a:xfrm>
             <a:off x="685800" y="4343400"/>
-            <a:ext cx="5483880" cy="4112280"/>
+            <a:ext cx="5481720" cy="4110120"/>
           </a:xfrm>
           <a:prstGeom prst="rect">
             <a:avLst/>
@@ -1272,7 +1272,7 @@
         <p:spPr>
           <a:xfrm>
             <a:off x="3884760" y="8685360"/>
-            <a:ext cx="2969280" cy="454680"/>
+            <a:ext cx="2967120" cy="452520"/>
           </a:xfrm>
           <a:prstGeom prst="rect">
             <a:avLst/>
@@ -1308,7 +1308,7 @@
               </a:lnSpc>
               <a:buNone/>
             </a:pPr>
-            <a:fld id="{9FC3AB70-2C24-43E0-B3DF-6390AC1D9278}" type="slidenum">
+            <a:fld id="{C727DD7F-E602-4095-A15B-F4F5BF4FA755}" type="slidenum">
               <a:rPr b="0" lang="en-US" sz="1200" spc="-1" strike="noStrike">
                 <a:solidFill>
                   <a:srgbClr val="000000"/>
@@ -1359,7 +1359,7 @@
         <p:spPr>
           <a:xfrm>
             <a:off x="380880" y="685800"/>
-            <a:ext cx="6093360" cy="3426480"/>
+            <a:ext cx="6091200" cy="3424320"/>
           </a:xfrm>
           <a:prstGeom prst="rect">
             <a:avLst/>
@@ -1382,7 +1382,7 @@
         <p:spPr>
           <a:xfrm>
             <a:off x="685800" y="4343400"/>
-            <a:ext cx="5483880" cy="4112280"/>
+            <a:ext cx="5481720" cy="4110120"/>
           </a:xfrm>
           <a:prstGeom prst="rect">
             <a:avLst/>
@@ -1416,7 +1416,7 @@
         <p:spPr>
           <a:xfrm>
             <a:off x="3884760" y="8685360"/>
-            <a:ext cx="2969280" cy="454680"/>
+            <a:ext cx="2967120" cy="452520"/>
           </a:xfrm>
           <a:prstGeom prst="rect">
             <a:avLst/>
@@ -1452,7 +1452,7 @@
               </a:lnSpc>
               <a:buNone/>
             </a:pPr>
-            <a:fld id="{D7B8F021-E3FE-45FE-9146-89F7E59B3B2B}" type="slidenum">
+            <a:fld id="{67DD0712-1619-41AD-A236-0B1C1697EABA}" type="slidenum">
               <a:rPr b="0" lang="en-US" sz="1200" spc="-1" strike="noStrike">
                 <a:solidFill>
                   <a:srgbClr val="000000"/>
@@ -1503,7 +1503,7 @@
         <p:spPr>
           <a:xfrm>
             <a:off x="380880" y="685800"/>
-            <a:ext cx="6093360" cy="3426480"/>
+            <a:ext cx="6091200" cy="3424320"/>
           </a:xfrm>
           <a:prstGeom prst="rect">
             <a:avLst/>
@@ -1526,7 +1526,7 @@
         <p:spPr>
           <a:xfrm>
             <a:off x="685800" y="4343400"/>
-            <a:ext cx="5483880" cy="4112280"/>
+            <a:ext cx="5481720" cy="4110120"/>
           </a:xfrm>
           <a:prstGeom prst="rect">
             <a:avLst/>
@@ -1560,7 +1560,7 @@
         <p:spPr>
           <a:xfrm>
             <a:off x="3884760" y="8685360"/>
-            <a:ext cx="2969280" cy="454680"/>
+            <a:ext cx="2967120" cy="452520"/>
           </a:xfrm>
           <a:prstGeom prst="rect">
             <a:avLst/>
@@ -1596,7 +1596,7 @@
               </a:lnSpc>
               <a:buNone/>
             </a:pPr>
-            <a:fld id="{B2274308-164A-4EFE-97C5-669A888D9BF9}" type="slidenum">
+            <a:fld id="{6AE2CBAB-1B59-4743-986F-97270EB791D6}" type="slidenum">
               <a:rPr b="0" lang="en-US" sz="1200" spc="-1" strike="noStrike">
                 <a:solidFill>
                   <a:srgbClr val="000000"/>
@@ -1647,7 +1647,7 @@
         <p:spPr>
           <a:xfrm>
             <a:off x="380880" y="685800"/>
-            <a:ext cx="6093360" cy="3426480"/>
+            <a:ext cx="6091200" cy="3424320"/>
           </a:xfrm>
           <a:prstGeom prst="rect">
             <a:avLst/>
@@ -1670,7 +1670,7 @@
         <p:spPr>
           <a:xfrm>
             <a:off x="685800" y="4343400"/>
-            <a:ext cx="5483880" cy="4112280"/>
+            <a:ext cx="5481720" cy="4110120"/>
           </a:xfrm>
           <a:prstGeom prst="rect">
             <a:avLst/>
@@ -1704,7 +1704,7 @@
         <p:spPr>
           <a:xfrm>
             <a:off x="3884760" y="8685360"/>
-            <a:ext cx="2969280" cy="454680"/>
+            <a:ext cx="2967120" cy="452520"/>
           </a:xfrm>
           <a:prstGeom prst="rect">
             <a:avLst/>
@@ -1740,7 +1740,7 @@
               </a:lnSpc>
               <a:buNone/>
             </a:pPr>
-            <a:fld id="{B7AC68A6-5B84-4F2A-8B88-60104D0A60DB}" type="slidenum">
+            <a:fld id="{21341C07-666B-4B58-BDD5-0DE3409646C9}" type="slidenum">
               <a:rPr b="0" lang="en-US" sz="1200" spc="-1" strike="noStrike">
                 <a:solidFill>
                   <a:srgbClr val="000000"/>
@@ -1791,7 +1791,7 @@
         <p:spPr>
           <a:xfrm>
             <a:off x="380880" y="685800"/>
-            <a:ext cx="6093360" cy="3426480"/>
+            <a:ext cx="6091200" cy="3424320"/>
           </a:xfrm>
           <a:prstGeom prst="rect">
             <a:avLst/>
@@ -1814,7 +1814,7 @@
         <p:spPr>
           <a:xfrm>
             <a:off x="685800" y="4343400"/>
-            <a:ext cx="5483880" cy="4112280"/>
+            <a:ext cx="5481720" cy="4110120"/>
           </a:xfrm>
           <a:prstGeom prst="rect">
             <a:avLst/>
@@ -1848,7 +1848,7 @@
         <p:spPr>
           <a:xfrm>
             <a:off x="3884760" y="8685360"/>
-            <a:ext cx="2969280" cy="454680"/>
+            <a:ext cx="2967120" cy="452520"/>
           </a:xfrm>
           <a:prstGeom prst="rect">
             <a:avLst/>
@@ -1884,7 +1884,7 @@
               </a:lnSpc>
               <a:buNone/>
             </a:pPr>
-            <a:fld id="{AF470DDD-7434-4083-AB46-4A6A1F486493}" type="slidenum">
+            <a:fld id="{8723D9EB-61BF-44AF-9C96-0E026C58A8C3}" type="slidenum">
               <a:rPr b="0" lang="en-US" sz="1200" spc="-1" strike="noStrike">
                 <a:solidFill>
                   <a:srgbClr val="000000"/>
@@ -1935,7 +1935,7 @@
         <p:spPr>
           <a:xfrm>
             <a:off x="380880" y="685800"/>
-            <a:ext cx="6093360" cy="3426480"/>
+            <a:ext cx="6091200" cy="3424320"/>
           </a:xfrm>
           <a:prstGeom prst="rect">
             <a:avLst/>
@@ -1958,7 +1958,7 @@
         <p:spPr>
           <a:xfrm>
             <a:off x="685800" y="4343400"/>
-            <a:ext cx="5483880" cy="4112280"/>
+            <a:ext cx="5481720" cy="4110120"/>
           </a:xfrm>
           <a:prstGeom prst="rect">
             <a:avLst/>
@@ -1992,7 +1992,7 @@
         <p:spPr>
           <a:xfrm>
             <a:off x="3884760" y="8685360"/>
-            <a:ext cx="2969280" cy="454680"/>
+            <a:ext cx="2967120" cy="452520"/>
           </a:xfrm>
           <a:prstGeom prst="rect">
             <a:avLst/>
@@ -2028,7 +2028,7 @@
               </a:lnSpc>
               <a:buNone/>
             </a:pPr>
-            <a:fld id="{3C22AF54-AA7C-4386-A5F0-A23AB7EF7ECA}" type="slidenum">
+            <a:fld id="{229FC02A-D22E-483F-A2B9-9AC140D64840}" type="slidenum">
               <a:rPr b="0" lang="en-US" sz="1200" spc="-1" strike="noStrike">
                 <a:solidFill>
                   <a:srgbClr val="000000"/>
@@ -2100,7 +2100,7 @@
         <p:txBody>
           <a:bodyPr/>
           <a:p>
-            <a:fld id="{462E1D00-9E69-4C27-B0B4-38AB1C87D0D9}" type="slidenum">
+            <a:fld id="{252A92CD-EE3D-4D73-B0D4-C8C19EAAAE0C}" type="slidenum">
               <a:t>&lt;#&gt;</a:t>
             </a:fld>
           </a:p>
@@ -2161,7 +2161,7 @@
         </p:nvSpPr>
         <p:spPr>
           <a:xfrm>
-            <a:off x="456840" y="205200"/>
+            <a:off x="457200" y="205200"/>
             <a:ext cx="8229240" cy="859320"/>
           </a:xfrm>
           <a:prstGeom prst="rect">
@@ -2180,7 +2180,7 @@
             <a:pPr algn="ctr">
               <a:buNone/>
             </a:pPr>
-            <a:endParaRPr b="0" lang="en-US" sz="3300" spc="-1" strike="noStrike">
+            <a:endParaRPr b="0" lang="en-US" sz="4400" spc="-1" strike="noStrike">
               <a:latin typeface="Arial"/>
             </a:endParaRPr>
           </a:p>
@@ -2198,7 +2198,7 @@
         </p:nvSpPr>
         <p:spPr>
           <a:xfrm>
-            <a:off x="456840" y="1204200"/>
+            <a:off x="457200" y="1204560"/>
             <a:ext cx="8229240" cy="1423800"/>
           </a:xfrm>
           <a:prstGeom prst="rect">
@@ -2214,7 +2214,7 @@
             <a:normAutofit/>
           </a:bodyPr>
           <a:p>
-            <a:endParaRPr b="0" lang="en-US" sz="2400" spc="-1" strike="noStrike">
+            <a:endParaRPr b="0" lang="en-US" sz="3200" spc="-1" strike="noStrike">
               <a:latin typeface="Arial"/>
             </a:endParaRPr>
           </a:p>
@@ -2232,7 +2232,7 @@
         </p:nvSpPr>
         <p:spPr>
           <a:xfrm>
-            <a:off x="456840" y="2763720"/>
+            <a:off x="457200" y="2764080"/>
             <a:ext cx="8229240" cy="1423800"/>
           </a:xfrm>
           <a:prstGeom prst="rect">
@@ -2248,7 +2248,7 @@
             <a:normAutofit/>
           </a:bodyPr>
           <a:p>
-            <a:endParaRPr b="0" lang="en-US" sz="2400" spc="-1" strike="noStrike">
+            <a:endParaRPr b="0" lang="en-US" sz="3200" spc="-1" strike="noStrike">
               <a:latin typeface="Arial"/>
             </a:endParaRPr>
           </a:p>
@@ -2288,7 +2288,7 @@
         <p:txBody>
           <a:bodyPr/>
           <a:p>
-            <a:fld id="{70CABFAC-B4BC-421F-9C34-8B34C578BEA5}" type="slidenum">
+            <a:fld id="{3C3F03FA-6CAC-469E-AC0A-69F81F97DF38}" type="slidenum">
               <a:t>&lt;#&gt;</a:t>
             </a:fld>
           </a:p>
@@ -2349,7 +2349,7 @@
         </p:nvSpPr>
         <p:spPr>
           <a:xfrm>
-            <a:off x="456840" y="205200"/>
+            <a:off x="457200" y="205200"/>
             <a:ext cx="8229240" cy="859320"/>
           </a:xfrm>
           <a:prstGeom prst="rect">
@@ -2368,7 +2368,7 @@
             <a:pPr algn="ctr">
               <a:buNone/>
             </a:pPr>
-            <a:endParaRPr b="0" lang="en-US" sz="3300" spc="-1" strike="noStrike">
+            <a:endParaRPr b="0" lang="en-US" sz="4400" spc="-1" strike="noStrike">
               <a:latin typeface="Arial"/>
             </a:endParaRPr>
           </a:p>
@@ -2386,7 +2386,7 @@
         </p:nvSpPr>
         <p:spPr>
           <a:xfrm>
-            <a:off x="456840" y="1204200"/>
+            <a:off x="457200" y="1204560"/>
             <a:ext cx="4015800" cy="1423800"/>
           </a:xfrm>
           <a:prstGeom prst="rect">
@@ -2402,7 +2402,7 @@
             <a:normAutofit/>
           </a:bodyPr>
           <a:p>
-            <a:endParaRPr b="0" lang="en-US" sz="2400" spc="-1" strike="noStrike">
+            <a:endParaRPr b="0" lang="en-US" sz="3200" spc="-1" strike="noStrike">
               <a:latin typeface="Arial"/>
             </a:endParaRPr>
           </a:p>
@@ -2420,7 +2420,7 @@
         </p:nvSpPr>
         <p:spPr>
           <a:xfrm>
-            <a:off x="4673880" y="1204200"/>
+            <a:off x="4674240" y="1204560"/>
             <a:ext cx="4015800" cy="1423800"/>
           </a:xfrm>
           <a:prstGeom prst="rect">
@@ -2436,7 +2436,7 @@
             <a:normAutofit/>
           </a:bodyPr>
           <a:p>
-            <a:endParaRPr b="0" lang="en-US" sz="2400" spc="-1" strike="noStrike">
+            <a:endParaRPr b="0" lang="en-US" sz="3200" spc="-1" strike="noStrike">
               <a:latin typeface="Arial"/>
             </a:endParaRPr>
           </a:p>
@@ -2454,7 +2454,7 @@
         </p:nvSpPr>
         <p:spPr>
           <a:xfrm>
-            <a:off x="456840" y="2763720"/>
+            <a:off x="457200" y="2764080"/>
             <a:ext cx="4015800" cy="1423800"/>
           </a:xfrm>
           <a:prstGeom prst="rect">
@@ -2470,7 +2470,7 @@
             <a:normAutofit/>
           </a:bodyPr>
           <a:p>
-            <a:endParaRPr b="0" lang="en-US" sz="2400" spc="-1" strike="noStrike">
+            <a:endParaRPr b="0" lang="en-US" sz="3200" spc="-1" strike="noStrike">
               <a:latin typeface="Arial"/>
             </a:endParaRPr>
           </a:p>
@@ -2488,7 +2488,7 @@
         </p:nvSpPr>
         <p:spPr>
           <a:xfrm>
-            <a:off x="4673880" y="2763720"/>
+            <a:off x="4674240" y="2764080"/>
             <a:ext cx="4015800" cy="1423800"/>
           </a:xfrm>
           <a:prstGeom prst="rect">
@@ -2504,7 +2504,7 @@
             <a:normAutofit/>
           </a:bodyPr>
           <a:p>
-            <a:endParaRPr b="0" lang="en-US" sz="2400" spc="-1" strike="noStrike">
+            <a:endParaRPr b="0" lang="en-US" sz="3200" spc="-1" strike="noStrike">
               <a:latin typeface="Arial"/>
             </a:endParaRPr>
           </a:p>
@@ -2544,7 +2544,7 @@
         <p:txBody>
           <a:bodyPr/>
           <a:p>
-            <a:fld id="{97CBD323-5827-46EB-B213-F730D1C5DE56}" type="slidenum">
+            <a:fld id="{F86E15B0-2B2A-42D2-A32E-7EA38D2D1DA2}" type="slidenum">
               <a:t>&lt;#&gt;</a:t>
             </a:fld>
           </a:p>
@@ -2605,7 +2605,7 @@
         </p:nvSpPr>
         <p:spPr>
           <a:xfrm>
-            <a:off x="456840" y="205200"/>
+            <a:off x="457200" y="205200"/>
             <a:ext cx="8229240" cy="859320"/>
           </a:xfrm>
           <a:prstGeom prst="rect">
@@ -2624,7 +2624,7 @@
             <a:pPr algn="ctr">
               <a:buNone/>
             </a:pPr>
-            <a:endParaRPr b="0" lang="en-US" sz="3300" spc="-1" strike="noStrike">
+            <a:endParaRPr b="0" lang="en-US" sz="4400" spc="-1" strike="noStrike">
               <a:latin typeface="Arial"/>
             </a:endParaRPr>
           </a:p>
@@ -2642,7 +2642,7 @@
         </p:nvSpPr>
         <p:spPr>
           <a:xfrm>
-            <a:off x="456840" y="1204200"/>
+            <a:off x="457200" y="1204560"/>
             <a:ext cx="2649600" cy="1423800"/>
           </a:xfrm>
           <a:prstGeom prst="rect">
@@ -2658,7 +2658,7 @@
             <a:normAutofit/>
           </a:bodyPr>
           <a:p>
-            <a:endParaRPr b="0" lang="en-US" sz="2400" spc="-1" strike="noStrike">
+            <a:endParaRPr b="0" lang="en-US" sz="3200" spc="-1" strike="noStrike">
               <a:latin typeface="Arial"/>
             </a:endParaRPr>
           </a:p>
@@ -2676,7 +2676,7 @@
         </p:nvSpPr>
         <p:spPr>
           <a:xfrm>
-            <a:off x="3239280" y="1204200"/>
+            <a:off x="3239640" y="1204560"/>
             <a:ext cx="2649600" cy="1423800"/>
           </a:xfrm>
           <a:prstGeom prst="rect">
@@ -2692,7 +2692,7 @@
             <a:normAutofit/>
           </a:bodyPr>
           <a:p>
-            <a:endParaRPr b="0" lang="en-US" sz="2400" spc="-1" strike="noStrike">
+            <a:endParaRPr b="0" lang="en-US" sz="3200" spc="-1" strike="noStrike">
               <a:latin typeface="Arial"/>
             </a:endParaRPr>
           </a:p>
@@ -2710,7 +2710,7 @@
         </p:nvSpPr>
         <p:spPr>
           <a:xfrm>
-            <a:off x="6021720" y="1204200"/>
+            <a:off x="6022080" y="1204560"/>
             <a:ext cx="2649600" cy="1423800"/>
           </a:xfrm>
           <a:prstGeom prst="rect">
@@ -2726,7 +2726,7 @@
             <a:normAutofit/>
           </a:bodyPr>
           <a:p>
-            <a:endParaRPr b="0" lang="en-US" sz="2400" spc="-1" strike="noStrike">
+            <a:endParaRPr b="0" lang="en-US" sz="3200" spc="-1" strike="noStrike">
               <a:latin typeface="Arial"/>
             </a:endParaRPr>
           </a:p>
@@ -2744,7 +2744,7 @@
         </p:nvSpPr>
         <p:spPr>
           <a:xfrm>
-            <a:off x="456840" y="2763720"/>
+            <a:off x="457200" y="2764080"/>
             <a:ext cx="2649600" cy="1423800"/>
           </a:xfrm>
           <a:prstGeom prst="rect">
@@ -2760,7 +2760,7 @@
             <a:normAutofit/>
           </a:bodyPr>
           <a:p>
-            <a:endParaRPr b="0" lang="en-US" sz="2400" spc="-1" strike="noStrike">
+            <a:endParaRPr b="0" lang="en-US" sz="3200" spc="-1" strike="noStrike">
               <a:latin typeface="Arial"/>
             </a:endParaRPr>
           </a:p>
@@ -2778,7 +2778,7 @@
         </p:nvSpPr>
         <p:spPr>
           <a:xfrm>
-            <a:off x="3239280" y="2763720"/>
+            <a:off x="3239640" y="2764080"/>
             <a:ext cx="2649600" cy="1423800"/>
           </a:xfrm>
           <a:prstGeom prst="rect">
@@ -2794,7 +2794,7 @@
             <a:normAutofit/>
           </a:bodyPr>
           <a:p>
-            <a:endParaRPr b="0" lang="en-US" sz="2400" spc="-1" strike="noStrike">
+            <a:endParaRPr b="0" lang="en-US" sz="3200" spc="-1" strike="noStrike">
               <a:latin typeface="Arial"/>
             </a:endParaRPr>
           </a:p>
@@ -2812,7 +2812,7 @@
         </p:nvSpPr>
         <p:spPr>
           <a:xfrm>
-            <a:off x="6021720" y="2763720"/>
+            <a:off x="6022080" y="2764080"/>
             <a:ext cx="2649600" cy="1423800"/>
           </a:xfrm>
           <a:prstGeom prst="rect">
@@ -2828,7 +2828,7 @@
             <a:normAutofit/>
           </a:bodyPr>
           <a:p>
-            <a:endParaRPr b="0" lang="en-US" sz="2400" spc="-1" strike="noStrike">
+            <a:endParaRPr b="0" lang="en-US" sz="3200" spc="-1" strike="noStrike">
               <a:latin typeface="Arial"/>
             </a:endParaRPr>
           </a:p>
@@ -2868,7 +2868,7 @@
         <p:txBody>
           <a:bodyPr/>
           <a:p>
-            <a:fld id="{87F1BC52-FE66-41EC-8385-E7BBF4C86F54}" type="slidenum">
+            <a:fld id="{AC0FEC23-3764-4CE6-822D-80F2230DA099}" type="slidenum">
               <a:t>&lt;#&gt;</a:t>
             </a:fld>
           </a:p>
@@ -2929,7 +2929,7 @@
         </p:nvSpPr>
         <p:spPr>
           <a:xfrm>
-            <a:off x="456840" y="205200"/>
+            <a:off x="457200" y="205200"/>
             <a:ext cx="8229240" cy="859320"/>
           </a:xfrm>
           <a:prstGeom prst="rect">
@@ -2948,7 +2948,7 @@
             <a:pPr algn="ctr">
               <a:buNone/>
             </a:pPr>
-            <a:endParaRPr b="0" lang="en-US" sz="3300" spc="-1" strike="noStrike">
+            <a:endParaRPr b="0" lang="en-US" sz="4400" spc="-1" strike="noStrike">
               <a:latin typeface="Arial"/>
             </a:endParaRPr>
           </a:p>
@@ -2966,7 +2966,7 @@
         </p:nvSpPr>
         <p:spPr>
           <a:xfrm>
-            <a:off x="456840" y="1204200"/>
+            <a:off x="457200" y="1204560"/>
             <a:ext cx="8229240" cy="2985480"/>
           </a:xfrm>
           <a:prstGeom prst="rect">
@@ -3025,7 +3025,7 @@
         <p:txBody>
           <a:bodyPr/>
           <a:p>
-            <a:fld id="{F027C61A-4A9D-4EFE-8CC2-9F4134A8CCEA}" type="slidenum">
+            <a:fld id="{C9DF74C5-403B-48F9-AA7A-58F7EC679462}" type="slidenum">
               <a:t>&lt;#&gt;</a:t>
             </a:fld>
           </a:p>
@@ -3086,7 +3086,7 @@
         </p:nvSpPr>
         <p:spPr>
           <a:xfrm>
-            <a:off x="456840" y="205200"/>
+            <a:off x="457200" y="205200"/>
             <a:ext cx="8229240" cy="859320"/>
           </a:xfrm>
           <a:prstGeom prst="rect">
@@ -3105,7 +3105,7 @@
             <a:pPr algn="ctr">
               <a:buNone/>
             </a:pPr>
-            <a:endParaRPr b="0" lang="en-US" sz="3300" spc="-1" strike="noStrike">
+            <a:endParaRPr b="0" lang="en-US" sz="4400" spc="-1" strike="noStrike">
               <a:latin typeface="Arial"/>
             </a:endParaRPr>
           </a:p>
@@ -3123,7 +3123,7 @@
         </p:nvSpPr>
         <p:spPr>
           <a:xfrm>
-            <a:off x="456840" y="1204200"/>
+            <a:off x="457200" y="1204560"/>
             <a:ext cx="8229240" cy="2985480"/>
           </a:xfrm>
           <a:prstGeom prst="rect">
@@ -3139,7 +3139,7 @@
             <a:normAutofit/>
           </a:bodyPr>
           <a:p>
-            <a:endParaRPr b="0" lang="en-US" sz="2400" spc="-1" strike="noStrike">
+            <a:endParaRPr b="0" lang="en-US" sz="3200" spc="-1" strike="noStrike">
               <a:latin typeface="Arial"/>
             </a:endParaRPr>
           </a:p>
@@ -3179,7 +3179,7 @@
         <p:txBody>
           <a:bodyPr/>
           <a:p>
-            <a:fld id="{CB8D700C-57A0-4D91-BC2C-BAD6727ABFF3}" type="slidenum">
+            <a:fld id="{DF0DE69E-80E4-4C85-974C-AC6ACA19E0E7}" type="slidenum">
               <a:t>&lt;#&gt;</a:t>
             </a:fld>
           </a:p>
@@ -3240,7 +3240,7 @@
         </p:nvSpPr>
         <p:spPr>
           <a:xfrm>
-            <a:off x="456840" y="205200"/>
+            <a:off x="457200" y="205200"/>
             <a:ext cx="8229240" cy="859320"/>
           </a:xfrm>
           <a:prstGeom prst="rect">
@@ -3259,7 +3259,7 @@
             <a:pPr algn="ctr">
               <a:buNone/>
             </a:pPr>
-            <a:endParaRPr b="0" lang="en-US" sz="3300" spc="-1" strike="noStrike">
+            <a:endParaRPr b="0" lang="en-US" sz="4400" spc="-1" strike="noStrike">
               <a:latin typeface="Arial"/>
             </a:endParaRPr>
           </a:p>
@@ -3277,7 +3277,7 @@
         </p:nvSpPr>
         <p:spPr>
           <a:xfrm>
-            <a:off x="456840" y="1204200"/>
+            <a:off x="457200" y="1204560"/>
             <a:ext cx="4015800" cy="2985480"/>
           </a:xfrm>
           <a:prstGeom prst="rect">
@@ -3293,7 +3293,7 @@
             <a:normAutofit/>
           </a:bodyPr>
           <a:p>
-            <a:endParaRPr b="0" lang="en-US" sz="2400" spc="-1" strike="noStrike">
+            <a:endParaRPr b="0" lang="en-US" sz="3200" spc="-1" strike="noStrike">
               <a:latin typeface="Arial"/>
             </a:endParaRPr>
           </a:p>
@@ -3311,7 +3311,7 @@
         </p:nvSpPr>
         <p:spPr>
           <a:xfrm>
-            <a:off x="4673880" y="1204200"/>
+            <a:off x="4674240" y="1204560"/>
             <a:ext cx="4015800" cy="2985480"/>
           </a:xfrm>
           <a:prstGeom prst="rect">
@@ -3327,7 +3327,7 @@
             <a:normAutofit/>
           </a:bodyPr>
           <a:p>
-            <a:endParaRPr b="0" lang="en-US" sz="2400" spc="-1" strike="noStrike">
+            <a:endParaRPr b="0" lang="en-US" sz="3200" spc="-1" strike="noStrike">
               <a:latin typeface="Arial"/>
             </a:endParaRPr>
           </a:p>
@@ -3367,7 +3367,7 @@
         <p:txBody>
           <a:bodyPr/>
           <a:p>
-            <a:fld id="{7B3BB880-650C-4418-8F84-95F0F70F8AFF}" type="slidenum">
+            <a:fld id="{C98451BD-7BF4-4130-81CE-6CBA4E1C8756}" type="slidenum">
               <a:t>&lt;#&gt;</a:t>
             </a:fld>
           </a:p>
@@ -3428,7 +3428,7 @@
         </p:nvSpPr>
         <p:spPr>
           <a:xfrm>
-            <a:off x="456840" y="205200"/>
+            <a:off x="457200" y="205200"/>
             <a:ext cx="8229240" cy="859320"/>
           </a:xfrm>
           <a:prstGeom prst="rect">
@@ -3447,7 +3447,7 @@
             <a:pPr algn="ctr">
               <a:buNone/>
             </a:pPr>
-            <a:endParaRPr b="0" lang="en-US" sz="3300" spc="-1" strike="noStrike">
+            <a:endParaRPr b="0" lang="en-US" sz="4400" spc="-1" strike="noStrike">
               <a:latin typeface="Arial"/>
             </a:endParaRPr>
           </a:p>
@@ -3487,7 +3487,7 @@
         <p:txBody>
           <a:bodyPr/>
           <a:p>
-            <a:fld id="{53D3CD93-45C4-4B82-9759-C67F775DAB4B}" type="slidenum">
+            <a:fld id="{949BEA4A-97FB-438A-9329-25034D3BF0E1}" type="slidenum">
               <a:t>&lt;#&gt;</a:t>
             </a:fld>
           </a:p>
@@ -3548,7 +3548,7 @@
         </p:nvSpPr>
         <p:spPr>
           <a:xfrm>
-            <a:off x="456840" y="205200"/>
+            <a:off x="457200" y="205200"/>
             <a:ext cx="8229240" cy="3984480"/>
           </a:xfrm>
           <a:prstGeom prst="rect">
@@ -3607,7 +3607,7 @@
         <p:txBody>
           <a:bodyPr/>
           <a:p>
-            <a:fld id="{B6B44A23-3856-460D-902C-C9D771A4D0EA}" type="slidenum">
+            <a:fld id="{8313843A-FC43-4001-B7D0-D1711F273DE8}" type="slidenum">
               <a:t>&lt;#&gt;</a:t>
             </a:fld>
           </a:p>
@@ -3668,7 +3668,7 @@
         </p:nvSpPr>
         <p:spPr>
           <a:xfrm>
-            <a:off x="456840" y="205200"/>
+            <a:off x="457200" y="205200"/>
             <a:ext cx="8229240" cy="859320"/>
           </a:xfrm>
           <a:prstGeom prst="rect">
@@ -3687,7 +3687,7 @@
             <a:pPr algn="ctr">
               <a:buNone/>
             </a:pPr>
-            <a:endParaRPr b="0" lang="en-US" sz="3300" spc="-1" strike="noStrike">
+            <a:endParaRPr b="0" lang="en-US" sz="4400" spc="-1" strike="noStrike">
               <a:latin typeface="Arial"/>
             </a:endParaRPr>
           </a:p>
@@ -3705,7 +3705,7 @@
         </p:nvSpPr>
         <p:spPr>
           <a:xfrm>
-            <a:off x="456840" y="1204200"/>
+            <a:off x="457200" y="1204560"/>
             <a:ext cx="4015800" cy="1423800"/>
           </a:xfrm>
           <a:prstGeom prst="rect">
@@ -3721,7 +3721,7 @@
             <a:normAutofit/>
           </a:bodyPr>
           <a:p>
-            <a:endParaRPr b="0" lang="en-US" sz="2400" spc="-1" strike="noStrike">
+            <a:endParaRPr b="0" lang="en-US" sz="3200" spc="-1" strike="noStrike">
               <a:latin typeface="Arial"/>
             </a:endParaRPr>
           </a:p>
@@ -3739,7 +3739,7 @@
         </p:nvSpPr>
         <p:spPr>
           <a:xfrm>
-            <a:off x="4673880" y="1204200"/>
+            <a:off x="4674240" y="1204560"/>
             <a:ext cx="4015800" cy="2985480"/>
           </a:xfrm>
           <a:prstGeom prst="rect">
@@ -3755,7 +3755,7 @@
             <a:normAutofit/>
           </a:bodyPr>
           <a:p>
-            <a:endParaRPr b="0" lang="en-US" sz="2400" spc="-1" strike="noStrike">
+            <a:endParaRPr b="0" lang="en-US" sz="3200" spc="-1" strike="noStrike">
               <a:latin typeface="Arial"/>
             </a:endParaRPr>
           </a:p>
@@ -3773,7 +3773,7 @@
         </p:nvSpPr>
         <p:spPr>
           <a:xfrm>
-            <a:off x="456840" y="2763720"/>
+            <a:off x="457200" y="2764080"/>
             <a:ext cx="4015800" cy="1423800"/>
           </a:xfrm>
           <a:prstGeom prst="rect">
@@ -3789,7 +3789,7 @@
             <a:normAutofit/>
           </a:bodyPr>
           <a:p>
-            <a:endParaRPr b="0" lang="en-US" sz="2400" spc="-1" strike="noStrike">
+            <a:endParaRPr b="0" lang="en-US" sz="3200" spc="-1" strike="noStrike">
               <a:latin typeface="Arial"/>
             </a:endParaRPr>
           </a:p>
@@ -3829,7 +3829,7 @@
         <p:txBody>
           <a:bodyPr/>
           <a:p>
-            <a:fld id="{1BAEEA2A-F392-4E12-BF22-2360943C1A9C}" type="slidenum">
+            <a:fld id="{EBE4FB3B-BF1C-4525-B9F9-7DBB5066F94C}" type="slidenum">
               <a:t>&lt;#&gt;</a:t>
             </a:fld>
           </a:p>
@@ -3890,7 +3890,7 @@
         </p:nvSpPr>
         <p:spPr>
           <a:xfrm>
-            <a:off x="456840" y="205200"/>
+            <a:off x="457200" y="205200"/>
             <a:ext cx="8229240" cy="859320"/>
           </a:xfrm>
           <a:prstGeom prst="rect">
@@ -3909,7 +3909,7 @@
             <a:pPr algn="ctr">
               <a:buNone/>
             </a:pPr>
-            <a:endParaRPr b="0" lang="en-US" sz="3300" spc="-1" strike="noStrike">
+            <a:endParaRPr b="0" lang="en-US" sz="4400" spc="-1" strike="noStrike">
               <a:latin typeface="Arial"/>
             </a:endParaRPr>
           </a:p>
@@ -3927,7 +3927,7 @@
         </p:nvSpPr>
         <p:spPr>
           <a:xfrm>
-            <a:off x="456840" y="1204200"/>
+            <a:off x="457200" y="1204560"/>
             <a:ext cx="4015800" cy="2985480"/>
           </a:xfrm>
           <a:prstGeom prst="rect">
@@ -3943,7 +3943,7 @@
             <a:normAutofit/>
           </a:bodyPr>
           <a:p>
-            <a:endParaRPr b="0" lang="en-US" sz="2400" spc="-1" strike="noStrike">
+            <a:endParaRPr b="0" lang="en-US" sz="3200" spc="-1" strike="noStrike">
               <a:latin typeface="Arial"/>
             </a:endParaRPr>
           </a:p>
@@ -3961,7 +3961,7 @@
         </p:nvSpPr>
         <p:spPr>
           <a:xfrm>
-            <a:off x="4673880" y="1204200"/>
+            <a:off x="4674240" y="1204560"/>
             <a:ext cx="4015800" cy="1423800"/>
           </a:xfrm>
           <a:prstGeom prst="rect">
@@ -3977,7 +3977,7 @@
             <a:normAutofit/>
           </a:bodyPr>
           <a:p>
-            <a:endParaRPr b="0" lang="en-US" sz="2400" spc="-1" strike="noStrike">
+            <a:endParaRPr b="0" lang="en-US" sz="3200" spc="-1" strike="noStrike">
               <a:latin typeface="Arial"/>
             </a:endParaRPr>
           </a:p>
@@ -3995,7 +3995,7 @@
         </p:nvSpPr>
         <p:spPr>
           <a:xfrm>
-            <a:off x="4673880" y="2763720"/>
+            <a:off x="4674240" y="2764080"/>
             <a:ext cx="4015800" cy="1423800"/>
           </a:xfrm>
           <a:prstGeom prst="rect">
@@ -4011,7 +4011,7 @@
             <a:normAutofit/>
           </a:bodyPr>
           <a:p>
-            <a:endParaRPr b="0" lang="en-US" sz="2400" spc="-1" strike="noStrike">
+            <a:endParaRPr b="0" lang="en-US" sz="3200" spc="-1" strike="noStrike">
               <a:latin typeface="Arial"/>
             </a:endParaRPr>
           </a:p>
@@ -4051,7 +4051,7 @@
         <p:txBody>
           <a:bodyPr/>
           <a:p>
-            <a:fld id="{631E7F80-8C34-45EA-BB9F-29415F8EE4D1}" type="slidenum">
+            <a:fld id="{18C2034A-4306-4AB8-84E4-1CB40F140CC6}" type="slidenum">
               <a:t>&lt;#&gt;</a:t>
             </a:fld>
           </a:p>
@@ -4112,7 +4112,7 @@
         </p:nvSpPr>
         <p:spPr>
           <a:xfrm>
-            <a:off x="456840" y="205200"/>
+            <a:off x="457200" y="205200"/>
             <a:ext cx="8229240" cy="859320"/>
           </a:xfrm>
           <a:prstGeom prst="rect">
@@ -4131,7 +4131,7 @@
             <a:pPr algn="ctr">
               <a:buNone/>
             </a:pPr>
-            <a:endParaRPr b="0" lang="en-US" sz="3300" spc="-1" strike="noStrike">
+            <a:endParaRPr b="0" lang="en-US" sz="4400" spc="-1" strike="noStrike">
               <a:latin typeface="Arial"/>
             </a:endParaRPr>
           </a:p>
@@ -4149,7 +4149,7 @@
         </p:nvSpPr>
         <p:spPr>
           <a:xfrm>
-            <a:off x="456840" y="1204200"/>
+            <a:off x="457200" y="1204560"/>
             <a:ext cx="4015800" cy="1423800"/>
           </a:xfrm>
           <a:prstGeom prst="rect">
@@ -4165,7 +4165,7 @@
             <a:normAutofit/>
           </a:bodyPr>
           <a:p>
-            <a:endParaRPr b="0" lang="en-US" sz="2400" spc="-1" strike="noStrike">
+            <a:endParaRPr b="0" lang="en-US" sz="3200" spc="-1" strike="noStrike">
               <a:latin typeface="Arial"/>
             </a:endParaRPr>
           </a:p>
@@ -4183,7 +4183,7 @@
         </p:nvSpPr>
         <p:spPr>
           <a:xfrm>
-            <a:off x="4673880" y="1204200"/>
+            <a:off x="4674240" y="1204560"/>
             <a:ext cx="4015800" cy="1423800"/>
           </a:xfrm>
           <a:prstGeom prst="rect">
@@ -4199,7 +4199,7 @@
             <a:normAutofit/>
           </a:bodyPr>
           <a:p>
-            <a:endParaRPr b="0" lang="en-US" sz="2400" spc="-1" strike="noStrike">
+            <a:endParaRPr b="0" lang="en-US" sz="3200" spc="-1" strike="noStrike">
               <a:latin typeface="Arial"/>
             </a:endParaRPr>
           </a:p>
@@ -4217,7 +4217,7 @@
         </p:nvSpPr>
         <p:spPr>
           <a:xfrm>
-            <a:off x="456840" y="2763720"/>
+            <a:off x="457200" y="2764080"/>
             <a:ext cx="8229240" cy="1423800"/>
           </a:xfrm>
           <a:prstGeom prst="rect">
@@ -4233,7 +4233,7 @@
             <a:normAutofit/>
           </a:bodyPr>
           <a:p>
-            <a:endParaRPr b="0" lang="en-US" sz="2400" spc="-1" strike="noStrike">
+            <a:endParaRPr b="0" lang="en-US" sz="3200" spc="-1" strike="noStrike">
               <a:latin typeface="Arial"/>
             </a:endParaRPr>
           </a:p>
@@ -4273,7 +4273,7 @@
         <p:txBody>
           <a:bodyPr/>
           <a:p>
-            <a:fld id="{E1741785-FD69-47F5-B87E-498EFE8EC7A8}" type="slidenum">
+            <a:fld id="{E1BDA235-BC86-453E-ACE1-042AE55A5525}" type="slidenum">
               <a:t>&lt;#&gt;</a:t>
             </a:fld>
           </a:p>
@@ -4342,7 +4342,7 @@
         <p:spPr>
           <a:xfrm>
             <a:off x="3028680" y="4771440"/>
-            <a:ext cx="3084120" cy="272160"/>
+            <a:ext cx="3081960" cy="270000"/>
           </a:xfrm>
           <a:prstGeom prst="rect">
             <a:avLst/>
@@ -4386,7 +4386,7 @@
                 <a:latin typeface="Times New Roman"/>
                 <a:ea typeface="DejaVu Sans"/>
               </a:rPr>
-              <a:t> </a:t>
+              <a:t>&lt;footer&gt;</a:t>
             </a:r>
             <a:endParaRPr b="0" lang="en-US" sz="1400" spc="-1" strike="noStrike">
               <a:latin typeface="Times New Roman"/>
@@ -4407,7 +4407,7 @@
         <p:spPr>
           <a:xfrm>
             <a:off x="6457680" y="4771440"/>
-            <a:ext cx="2055600" cy="272160"/>
+            <a:ext cx="2053440" cy="270000"/>
           </a:xfrm>
           <a:prstGeom prst="rect">
             <a:avLst/>
@@ -4443,7 +4443,7 @@
               </a:lnSpc>
               <a:buNone/>
             </a:pPr>
-            <a:fld id="{09A651D2-73F9-40B1-B921-36B40404E515}" type="slidenum">
+            <a:fld id="{54043755-0E24-4A90-9E38-6BE2444E5FA8}" type="slidenum">
               <a:rPr b="0" lang="en-US" sz="1200" spc="-1" strike="noStrike">
                 <a:solidFill>
                   <a:srgbClr val="8b8b8b"/>
@@ -4451,7 +4451,7 @@
                 <a:latin typeface="Calibri"/>
                 <a:ea typeface="DejaVu Sans"/>
               </a:rPr>
-              <a:t>12</a:t>
+              <a:t>&lt;number&gt;</a:t>
             </a:fld>
             <a:endParaRPr b="0" lang="en-US" sz="1200" spc="-1" strike="noStrike">
               <a:latin typeface="Times New Roman"/>
@@ -4472,7 +4472,7 @@
         <p:spPr>
           <a:xfrm>
             <a:off x="628200" y="4771440"/>
-            <a:ext cx="2055600" cy="272160"/>
+            <a:ext cx="2053440" cy="270000"/>
           </a:xfrm>
           <a:prstGeom prst="rect">
             <a:avLst/>
@@ -4498,7 +4498,7 @@
               <a:rPr b="0" lang="en-US" sz="1400" spc="-1" strike="noStrike">
                 <a:latin typeface="Times New Roman"/>
               </a:rPr>
-              <a:t> </a:t>
+              <a:t>&lt;date/time&gt;</a:t>
             </a:r>
             <a:endParaRPr b="0" lang="en-US" sz="1400" spc="-1" strike="noStrike">
               <a:latin typeface="Times New Roman"/>
@@ -4518,7 +4518,7 @@
         </p:nvSpPr>
         <p:spPr>
           <a:xfrm>
-            <a:off x="456840" y="205200"/>
+            <a:off x="457200" y="205200"/>
             <a:ext cx="8229240" cy="859320"/>
           </a:xfrm>
           <a:prstGeom prst="rect">
@@ -4538,12 +4538,12 @@
               <a:buNone/>
             </a:pPr>
             <a:r>
-              <a:rPr b="0" lang="en-US" sz="3300" spc="-1" strike="noStrike">
+              <a:rPr b="0" lang="en-US" sz="4400" spc="-1" strike="noStrike">
                 <a:latin typeface="Arial"/>
               </a:rPr>
               <a:t>Click to edit the title text format</a:t>
             </a:r>
-            <a:endParaRPr b="0" lang="en-US" sz="3300" spc="-1" strike="noStrike">
+            <a:endParaRPr b="0" lang="en-US" sz="4400" spc="-1" strike="noStrike">
               <a:latin typeface="Arial"/>
             </a:endParaRPr>
           </a:p>
@@ -4561,7 +4561,7 @@
         </p:nvSpPr>
         <p:spPr>
           <a:xfrm>
-            <a:off x="456840" y="1204200"/>
+            <a:off x="457200" y="1204560"/>
             <a:ext cx="8229240" cy="2985480"/>
           </a:xfrm>
           <a:prstGeom prst="rect">
@@ -4579,7 +4579,51 @@
           <a:p>
             <a:pPr marL="432000" indent="-324000">
               <a:spcBef>
-                <a:spcPts val="1063"/>
+                <a:spcPts val="1417"/>
+              </a:spcBef>
+              <a:buClr>
+                <a:srgbClr val="000000"/>
+              </a:buClr>
+              <a:buSzPct val="45000"/>
+              <a:buFont typeface="Wingdings" charset="2"/>
+              <a:buChar char=""/>
+            </a:pPr>
+            <a:r>
+              <a:rPr b="0" lang="en-US" sz="3200" spc="-1" strike="noStrike">
+                <a:latin typeface="Arial"/>
+              </a:rPr>
+              <a:t>Click to edit the outline text format</a:t>
+            </a:r>
+            <a:endParaRPr b="0" lang="en-US" sz="3200" spc="-1" strike="noStrike">
+              <a:latin typeface="Arial"/>
+            </a:endParaRPr>
+          </a:p>
+          <a:p>
+            <a:pPr lvl="1" marL="864000" indent="-324000">
+              <a:spcBef>
+                <a:spcPts val="1134"/>
+              </a:spcBef>
+              <a:buClr>
+                <a:srgbClr val="000000"/>
+              </a:buClr>
+              <a:buSzPct val="75000"/>
+              <a:buFont typeface="Symbol" charset="2"/>
+              <a:buChar char=""/>
+            </a:pPr>
+            <a:r>
+              <a:rPr b="0" lang="en-US" sz="2800" spc="-1" strike="noStrike">
+                <a:latin typeface="Arial"/>
+              </a:rPr>
+              <a:t>Second Outline Level</a:t>
+            </a:r>
+            <a:endParaRPr b="0" lang="en-US" sz="2800" spc="-1" strike="noStrike">
+              <a:latin typeface="Arial"/>
+            </a:endParaRPr>
+          </a:p>
+          <a:p>
+            <a:pPr lvl="2" marL="1296000" indent="-288000">
+              <a:spcBef>
+                <a:spcPts val="850"/>
               </a:spcBef>
               <a:buClr>
                 <a:srgbClr val="000000"/>
@@ -4592,16 +4636,16 @@
               <a:rPr b="0" lang="en-US" sz="2400" spc="-1" strike="noStrike">
                 <a:latin typeface="Arial"/>
               </a:rPr>
-              <a:t>Click to edit the outline text format</a:t>
+              <a:t>Third Outline Level</a:t>
             </a:r>
             <a:endParaRPr b="0" lang="en-US" sz="2400" spc="-1" strike="noStrike">
               <a:latin typeface="Arial"/>
             </a:endParaRPr>
           </a:p>
           <a:p>
-            <a:pPr lvl="1" marL="864000" indent="-324000">
+            <a:pPr lvl="3" marL="1728000" indent="-216000">
               <a:spcBef>
-                <a:spcPts val="850"/>
+                <a:spcPts val="567"/>
               </a:spcBef>
               <a:buClr>
                 <a:srgbClr val="000000"/>
@@ -4611,19 +4655,19 @@
               <a:buChar char=""/>
             </a:pPr>
             <a:r>
-              <a:rPr b="0" lang="en-US" sz="2100" spc="-1" strike="noStrike">
+              <a:rPr b="0" lang="en-US" sz="2000" spc="-1" strike="noStrike">
                 <a:latin typeface="Arial"/>
               </a:rPr>
-              <a:t>Second Outline Level</a:t>
+              <a:t>Fourth Outline Level</a:t>
             </a:r>
-            <a:endParaRPr b="0" lang="en-US" sz="2100" spc="-1" strike="noStrike">
-              <a:latin typeface="Arial"/>
-            </a:endParaRPr>
-          </a:p>
-          <a:p>
-            <a:pPr lvl="2" marL="1296000" indent="-288000">
+            <a:endParaRPr b="0" lang="en-US" sz="2000" spc="-1" strike="noStrike">
+              <a:latin typeface="Arial"/>
+            </a:endParaRPr>
+          </a:p>
+          <a:p>
+            <a:pPr lvl="4" marL="2160000" indent="-216000">
               <a:spcBef>
-                <a:spcPts val="635"/>
+                <a:spcPts val="283"/>
               </a:spcBef>
               <a:buClr>
                 <a:srgbClr val="000000"/>
@@ -4633,41 +4677,19 @@
               <a:buChar char=""/>
             </a:pPr>
             <a:r>
-              <a:rPr b="0" lang="en-US" sz="1800" spc="-1" strike="noStrike">
+              <a:rPr b="0" lang="en-US" sz="2000" spc="-1" strike="noStrike">
                 <a:latin typeface="Arial"/>
               </a:rPr>
-              <a:t>Third Outline Level</a:t>
+              <a:t>Fifth Outline Level</a:t>
             </a:r>
-            <a:endParaRPr b="0" lang="en-US" sz="1800" spc="-1" strike="noStrike">
-              <a:latin typeface="Arial"/>
-            </a:endParaRPr>
-          </a:p>
-          <a:p>
-            <a:pPr lvl="3" marL="1728000" indent="-216000">
+            <a:endParaRPr b="0" lang="en-US" sz="2000" spc="-1" strike="noStrike">
+              <a:latin typeface="Arial"/>
+            </a:endParaRPr>
+          </a:p>
+          <a:p>
+            <a:pPr lvl="5" marL="2592000" indent="-216000">
               <a:spcBef>
-                <a:spcPts val="422"/>
-              </a:spcBef>
-              <a:buClr>
-                <a:srgbClr val="000000"/>
-              </a:buClr>
-              <a:buSzPct val="75000"/>
-              <a:buFont typeface="Symbol" charset="2"/>
-              <a:buChar char=""/>
-            </a:pPr>
-            <a:r>
-              <a:rPr b="0" lang="en-US" sz="1500" spc="-1" strike="noStrike">
-                <a:latin typeface="Arial"/>
-              </a:rPr>
-              <a:t>Fourth Outline Level</a:t>
-            </a:r>
-            <a:endParaRPr b="0" lang="en-US" sz="1500" spc="-1" strike="noStrike">
-              <a:latin typeface="Arial"/>
-            </a:endParaRPr>
-          </a:p>
-          <a:p>
-            <a:pPr lvl="4" marL="2160000" indent="-216000">
-              <a:spcBef>
-                <a:spcPts val="210"/>
+                <a:spcPts val="283"/>
               </a:spcBef>
               <a:buClr>
                 <a:srgbClr val="000000"/>
@@ -4677,19 +4699,19 @@
               <a:buChar char=""/>
             </a:pPr>
             <a:r>
-              <a:rPr b="0" lang="en-US" sz="1500" spc="-1" strike="noStrike">
+              <a:rPr b="0" lang="en-US" sz="2000" spc="-1" strike="noStrike">
                 <a:latin typeface="Arial"/>
               </a:rPr>
-              <a:t>Fifth Outline Level</a:t>
+              <a:t>Sixth Outline Level</a:t>
             </a:r>
-            <a:endParaRPr b="0" lang="en-US" sz="1500" spc="-1" strike="noStrike">
-              <a:latin typeface="Arial"/>
-            </a:endParaRPr>
-          </a:p>
-          <a:p>
-            <a:pPr lvl="5" marL="2592000" indent="-216000">
+            <a:endParaRPr b="0" lang="en-US" sz="2000" spc="-1" strike="noStrike">
+              <a:latin typeface="Arial"/>
+            </a:endParaRPr>
+          </a:p>
+          <a:p>
+            <a:pPr lvl="6" marL="3024000" indent="-216000">
               <a:spcBef>
-                <a:spcPts val="210"/>
+                <a:spcPts val="283"/>
               </a:spcBef>
               <a:buClr>
                 <a:srgbClr val="000000"/>
@@ -4699,34 +4721,12 @@
               <a:buChar char=""/>
             </a:pPr>
             <a:r>
-              <a:rPr b="0" lang="en-US" sz="1500" spc="-1" strike="noStrike">
-                <a:latin typeface="Arial"/>
-              </a:rPr>
-              <a:t>Sixth Outline Level</a:t>
-            </a:r>
-            <a:endParaRPr b="0" lang="en-US" sz="1500" spc="-1" strike="noStrike">
-              <a:latin typeface="Arial"/>
-            </a:endParaRPr>
-          </a:p>
-          <a:p>
-            <a:pPr lvl="6" marL="3024000" indent="-216000">
-              <a:spcBef>
-                <a:spcPts val="210"/>
-              </a:spcBef>
-              <a:buClr>
-                <a:srgbClr val="000000"/>
-              </a:buClr>
-              <a:buSzPct val="45000"/>
-              <a:buFont typeface="Wingdings" charset="2"/>
-              <a:buChar char=""/>
-            </a:pPr>
-            <a:r>
-              <a:rPr b="0" lang="en-US" sz="1500" spc="-1" strike="noStrike">
+              <a:rPr b="0" lang="en-US" sz="2000" spc="-1" strike="noStrike">
                 <a:latin typeface="Arial"/>
               </a:rPr>
               <a:t>Seventh Outline Level</a:t>
             </a:r>
-            <a:endParaRPr b="0" lang="en-US" sz="1500" spc="-1" strike="noStrike">
+            <a:endParaRPr b="0" lang="en-US" sz="2000" spc="-1" strike="noStrike">
               <a:latin typeface="Arial"/>
             </a:endParaRPr>
           </a:p>
@@ -4784,8 +4784,8 @@
         </p:nvSpPr>
         <p:spPr>
           <a:xfrm rot="2744400">
-            <a:off x="-282960" y="-26280"/>
-            <a:ext cx="706320" cy="705960"/>
+            <a:off x="-280800" y="-25560"/>
+            <a:ext cx="704160" cy="703800"/>
           </a:xfrm>
           <a:prstGeom prst="roundRect">
             <a:avLst>
@@ -4822,8 +4822,8 @@
         </p:nvSpPr>
         <p:spPr>
           <a:xfrm rot="2625600">
-            <a:off x="6024960" y="4334040"/>
-            <a:ext cx="470160" cy="470160"/>
+            <a:off x="6024960" y="4332960"/>
+            <a:ext cx="468000" cy="468000"/>
           </a:xfrm>
           <a:prstGeom prst="roundRect">
             <a:avLst>
@@ -4860,8 +4860,8 @@
         </p:nvSpPr>
         <p:spPr>
           <a:xfrm rot="18679200">
-            <a:off x="7005240" y="948600"/>
-            <a:ext cx="4941720" cy="4668120"/>
+            <a:off x="7003440" y="948600"/>
+            <a:ext cx="4939560" cy="4665960"/>
           </a:xfrm>
           <a:prstGeom prst="roundRect">
             <a:avLst>
@@ -4899,7 +4899,7 @@
         <p:spPr>
           <a:xfrm>
             <a:off x="459720" y="4671360"/>
-            <a:ext cx="2997360" cy="268200"/>
+            <a:ext cx="2995200" cy="266040"/>
           </a:xfrm>
           <a:prstGeom prst="rect">
             <a:avLst/>
@@ -4964,8 +4964,8 @@
         </p:blipFill>
         <p:spPr>
           <a:xfrm>
-            <a:off x="2423160" y="4671720"/>
-            <a:ext cx="289800" cy="289800"/>
+            <a:off x="2971800" y="4739760"/>
+            <a:ext cx="287640" cy="287640"/>
           </a:xfrm>
           <a:prstGeom prst="rect">
             <a:avLst/>
@@ -4984,7 +4984,7 @@
         <p:spPr>
           <a:xfrm>
             <a:off x="484920" y="1681560"/>
-            <a:ext cx="5482800" cy="1884240"/>
+            <a:ext cx="5480640" cy="1882080"/>
           </a:xfrm>
           <a:prstGeom prst="rect">
             <a:avLst/>
@@ -5072,8 +5072,8 @@
         </p:nvSpPr>
         <p:spPr>
           <a:xfrm rot="2744400">
-            <a:off x="-282960" y="-26280"/>
-            <a:ext cx="706320" cy="705960"/>
+            <a:off x="-280800" y="-25560"/>
+            <a:ext cx="704160" cy="703800"/>
           </a:xfrm>
           <a:prstGeom prst="roundRect">
             <a:avLst>
@@ -5110,8 +5110,8 @@
         </p:nvSpPr>
         <p:spPr>
           <a:xfrm rot="2332200">
-            <a:off x="6009480" y="-320040"/>
-            <a:ext cx="4857480" cy="7728480"/>
+            <a:off x="6009480" y="-319680"/>
+            <a:ext cx="4855320" cy="7726320"/>
           </a:xfrm>
           <a:prstGeom prst="roundRect">
             <a:avLst>
@@ -5149,9 +5149,9 @@
         <p:grpSpPr>
           <a:xfrm>
             <a:off x="4571640" y="828000"/>
-            <a:ext cx="4470120" cy="3566160"/>
+            <a:ext cx="4467960" cy="3564000"/>
             <a:chOff x="4571640" y="828000"/>
-            <a:chExt cx="4470120" cy="3566160"/>
+            <a:chExt cx="4467960" cy="3564000"/>
           </a:xfrm>
         </p:grpSpPr>
         <p:pic>
@@ -5167,7 +5167,7 @@
           <p:spPr>
             <a:xfrm>
               <a:off x="4571640" y="828000"/>
-              <a:ext cx="4470120" cy="3566160"/>
+              <a:ext cx="4467960" cy="3564000"/>
             </a:xfrm>
             <a:prstGeom prst="rect">
               <a:avLst/>
@@ -5185,8 +5185,8 @@
           </p:nvSpPr>
           <p:spPr>
             <a:xfrm rot="16200000">
-              <a:off x="5962680" y="1157040"/>
-              <a:ext cx="1739160" cy="2773080"/>
+              <a:off x="5962680" y="1159200"/>
+              <a:ext cx="1737000" cy="2770920"/>
             </a:xfrm>
             <a:prstGeom prst="roundRect">
               <a:avLst>
@@ -5253,7 +5253,7 @@
         <p:spPr>
           <a:xfrm>
             <a:off x="5446080" y="1672200"/>
-            <a:ext cx="2772720" cy="1739160"/>
+            <a:ext cx="2770560" cy="1737000"/>
           </a:xfrm>
           <a:prstGeom prst="rect">
             <a:avLst/>
@@ -5305,7 +5305,7 @@
         <p:spPr>
           <a:xfrm>
             <a:off x="586440" y="1246680"/>
-            <a:ext cx="4006080" cy="3601800"/>
+            <a:ext cx="4003920" cy="3599640"/>
           </a:xfrm>
           <a:prstGeom prst="rect">
             <a:avLst/>
@@ -5357,7 +5357,7 @@
         <p:spPr>
           <a:xfrm>
             <a:off x="586440" y="453960"/>
-            <a:ext cx="4766040" cy="857160"/>
+            <a:ext cx="4763880" cy="855000"/>
           </a:xfrm>
           <a:prstGeom prst="rect">
             <a:avLst/>
@@ -5445,8 +5445,8 @@
         </p:nvSpPr>
         <p:spPr>
           <a:xfrm rot="2745600">
-            <a:off x="8349840" y="-668520"/>
-            <a:ext cx="1500120" cy="1500120"/>
+            <a:off x="8349840" y="-668160"/>
+            <a:ext cx="1497960" cy="1497960"/>
           </a:xfrm>
           <a:prstGeom prst="roundRect">
             <a:avLst>
@@ -5483,8 +5483,8 @@
         </p:nvSpPr>
         <p:spPr>
           <a:xfrm rot="2745600">
-            <a:off x="7634160" y="-322920"/>
-            <a:ext cx="808920" cy="809280"/>
+            <a:off x="7634160" y="-322200"/>
+            <a:ext cx="806760" cy="807120"/>
           </a:xfrm>
           <a:prstGeom prst="roundRect">
             <a:avLst>
@@ -5523,7 +5523,7 @@
         <p:spPr>
           <a:xfrm>
             <a:off x="586440" y="899640"/>
-            <a:ext cx="7933680" cy="1539000"/>
+            <a:ext cx="7931520" cy="1536840"/>
           </a:xfrm>
           <a:prstGeom prst="rect">
             <a:avLst/>
@@ -5575,7 +5575,7 @@
         <p:spPr>
           <a:xfrm>
             <a:off x="608040" y="2545560"/>
-            <a:ext cx="3714120" cy="2257560"/>
+            <a:ext cx="3711960" cy="2255400"/>
           </a:xfrm>
           <a:prstGeom prst="rect">
             <a:avLst/>
@@ -5627,7 +5627,7 @@
         <p:spPr>
           <a:xfrm>
             <a:off x="4806360" y="2545560"/>
-            <a:ext cx="3714120" cy="2257560"/>
+            <a:ext cx="3711960" cy="2255400"/>
           </a:xfrm>
           <a:prstGeom prst="rect">
             <a:avLst/>
@@ -5679,7 +5679,7 @@
         <p:spPr>
           <a:xfrm>
             <a:off x="583200" y="450720"/>
-            <a:ext cx="7200000" cy="514080"/>
+            <a:ext cx="7197840" cy="511920"/>
           </a:xfrm>
           <a:prstGeom prst="rect">
             <a:avLst/>
@@ -5767,8 +5767,8 @@
         </p:nvSpPr>
         <p:spPr>
           <a:xfrm rot="2744400">
-            <a:off x="-282960" y="-26280"/>
-            <a:ext cx="706320" cy="705960"/>
+            <a:off x="-280800" y="-25560"/>
+            <a:ext cx="704160" cy="703800"/>
           </a:xfrm>
           <a:prstGeom prst="roundRect">
             <a:avLst>
@@ -5799,66 +5799,14 @@
       </p:sp>
       <p:sp>
         <p:nvSpPr>
-          <p:cNvPr id="118" name="Текст. поле 7"/>
+          <p:cNvPr id="118" name="Прямоугольник со скругленными углами 3"/>
           <p:cNvSpPr/>
           <p:nvPr/>
         </p:nvSpPr>
         <p:spPr>
-          <a:xfrm>
-            <a:off x="569160" y="1888920"/>
-            <a:ext cx="4822920" cy="820800"/>
-          </a:xfrm>
-          <a:prstGeom prst="rect">
-            <a:avLst/>
-          </a:prstGeom>
-          <a:noFill/>
-          <a:ln w="0">
-            <a:noFill/>
-          </a:ln>
-        </p:spPr>
-        <p:style>
-          <a:lnRef idx="0"/>
-          <a:fillRef idx="0"/>
-          <a:effectRef idx="0"/>
-          <a:fontRef idx="minor"/>
-        </p:style>
-        <p:txBody>
-          <a:bodyPr lIns="90000" rIns="90000" tIns="45000" bIns="45000" anchor="t">
-            <a:spAutoFit/>
-          </a:bodyPr>
-          <a:p>
-            <a:pPr>
-              <a:lnSpc>
-                <a:spcPct val="100000"/>
-              </a:lnSpc>
-              <a:buNone/>
-            </a:pPr>
-            <a:r>
-              <a:rPr b="1" lang="ru-RU" sz="4800" spc="-1" strike="noStrike">
-                <a:solidFill>
-                  <a:srgbClr val="f2f2f2"/>
-                </a:solidFill>
-                <a:latin typeface="Corbel"/>
-                <a:ea typeface="DejaVu Sans"/>
-              </a:rPr>
-              <a:t>TITLE</a:t>
-            </a:r>
-            <a:endParaRPr b="0" lang="en-US" sz="4800" spc="-1" strike="noStrike">
-              <a:latin typeface="Arial"/>
-            </a:endParaRPr>
-          </a:p>
-        </p:txBody>
-      </p:sp>
-      <p:sp>
-        <p:nvSpPr>
-          <p:cNvPr id="119" name="Прямоугольник со скругленными углами 3"/>
-          <p:cNvSpPr/>
-          <p:nvPr/>
-        </p:nvSpPr>
-        <p:spPr>
           <a:xfrm rot="18679800">
-            <a:off x="6783120" y="457560"/>
-            <a:ext cx="6252480" cy="4668120"/>
+            <a:off x="6782040" y="457560"/>
+            <a:ext cx="6250320" cy="4665960"/>
           </a:xfrm>
           <a:prstGeom prst="roundRect">
             <a:avLst>
@@ -5889,14 +5837,14 @@
       </p:sp>
       <p:sp>
         <p:nvSpPr>
-          <p:cNvPr id="120" name="Прямоугольник со скругленными углами 5"/>
+          <p:cNvPr id="119" name="Прямоугольник со скругленными углами 5"/>
           <p:cNvSpPr/>
           <p:nvPr/>
         </p:nvSpPr>
         <p:spPr>
           <a:xfrm rot="2625600">
-            <a:off x="6024960" y="4334040"/>
-            <a:ext cx="470160" cy="470160"/>
+            <a:off x="6024960" y="4332960"/>
+            <a:ext cx="468000" cy="468000"/>
           </a:xfrm>
           <a:prstGeom prst="roundRect">
             <a:avLst>
@@ -5927,14 +5875,14 @@
       </p:sp>
       <p:sp>
         <p:nvSpPr>
-          <p:cNvPr id="121" name="Прямоугольник 5"/>
+          <p:cNvPr id="120" name="Прямоугольник 5"/>
           <p:cNvSpPr/>
           <p:nvPr/>
         </p:nvSpPr>
         <p:spPr>
           <a:xfrm>
             <a:off x="1640880" y="4592880"/>
-            <a:ext cx="2997360" cy="268200"/>
+            <a:ext cx="2995200" cy="266040"/>
           </a:xfrm>
           <a:prstGeom prst="rect">
             <a:avLst/>
@@ -5989,14 +5937,14 @@
       </p:sp>
       <p:sp>
         <p:nvSpPr>
-          <p:cNvPr id="122" name="Изображение 40"/>
+          <p:cNvPr id="121" name="Изображение 40"/>
           <p:cNvSpPr/>
           <p:nvPr/>
         </p:nvSpPr>
         <p:spPr>
           <a:xfrm>
             <a:off x="867240" y="3590280"/>
-            <a:ext cx="255240" cy="255600"/>
+            <a:ext cx="253080" cy="253440"/>
           </a:xfrm>
           <a:prstGeom prst="ellipse">
             <a:avLst/>
@@ -6019,7 +5967,7 @@
       </p:sp>
       <p:pic>
         <p:nvPicPr>
-          <p:cNvPr id="123" name="Рисунок 10" descr=""/>
+          <p:cNvPr id="122" name="Рисунок 10" descr=""/>
           <p:cNvPicPr/>
           <p:nvPr/>
         </p:nvPicPr>
@@ -6031,7 +5979,7 @@
         <p:spPr>
           <a:xfrm>
             <a:off x="351000" y="3793320"/>
-            <a:ext cx="1287720" cy="1133280"/>
+            <a:ext cx="1285560" cy="1131120"/>
           </a:xfrm>
           <a:prstGeom prst="rect">
             <a:avLst/>
@@ -6041,6 +5989,54 @@
           </a:ln>
         </p:spPr>
       </p:pic>
+      <p:sp>
+        <p:nvSpPr>
+          <p:cNvPr id="123" name=""/>
+          <p:cNvSpPr/>
+          <p:nvPr/>
+        </p:nvSpPr>
+        <p:spPr>
+          <a:xfrm>
+            <a:off x="567000" y="1892880"/>
+            <a:ext cx="4818600" cy="822600"/>
+          </a:xfrm>
+          <a:prstGeom prst="rect">
+            <a:avLst/>
+          </a:prstGeom>
+          <a:noFill/>
+          <a:ln w="0">
+            <a:noFill/>
+          </a:ln>
+        </p:spPr>
+        <p:style>
+          <a:lnRef idx="0"/>
+          <a:fillRef idx="0"/>
+          <a:effectRef idx="0"/>
+          <a:fontRef idx="minor"/>
+        </p:style>
+        <p:txBody>
+          <a:bodyPr wrap="none" lIns="90000" rIns="90000" tIns="45000" bIns="45000" anchor="t">
+            <a:noAutofit/>
+          </a:bodyPr>
+          <a:p>
+            <a:pPr>
+              <a:lnSpc>
+                <a:spcPct val="100000"/>
+              </a:lnSpc>
+              <a:buNone/>
+            </a:pPr>
+            <a:r>
+              <a:rPr b="0" lang="en-US" sz="1800" spc="-1" strike="noStrike">
+                <a:latin typeface="Arial"/>
+              </a:rPr>
+              <a:t>TITLE</a:t>
+            </a:r>
+            <a:endParaRPr b="0" lang="en-US" sz="1800" spc="-1" strike="noStrike">
+              <a:latin typeface="Arial"/>
+            </a:endParaRPr>
+          </a:p>
+        </p:txBody>
+      </p:sp>
     </p:spTree>
   </p:cSld>
   <mc:AlternateContent>
@@ -6080,7 +6076,7 @@
         <p:spPr>
           <a:xfrm>
             <a:off x="586440" y="1246680"/>
-            <a:ext cx="4006080" cy="3601800"/>
+            <a:ext cx="4003920" cy="3599640"/>
           </a:xfrm>
           <a:prstGeom prst="rect">
             <a:avLst/>
@@ -6132,7 +6128,7 @@
         <p:spPr>
           <a:xfrm>
             <a:off x="559800" y="446040"/>
-            <a:ext cx="4285440" cy="685440"/>
+            <a:ext cx="4283280" cy="683280"/>
           </a:xfrm>
           <a:prstGeom prst="rect">
             <a:avLst/>
@@ -6184,7 +6180,7 @@
         <p:spPr>
           <a:xfrm>
             <a:off x="5097600" y="360"/>
-            <a:ext cx="4381560" cy="5145840"/>
+            <a:ext cx="4379400" cy="5143680"/>
           </a:xfrm>
           <a:prstGeom prst="roundRect">
             <a:avLst>
@@ -6249,8 +6245,8 @@
         </p:nvSpPr>
         <p:spPr>
           <a:xfrm rot="2744400">
-            <a:off x="-282960" y="-26280"/>
-            <a:ext cx="706320" cy="705960"/>
+            <a:off x="-280800" y="-25560"/>
+            <a:ext cx="704160" cy="703800"/>
           </a:xfrm>
           <a:prstGeom prst="roundRect">
             <a:avLst>
@@ -6287,8 +6283,8 @@
         </p:nvSpPr>
         <p:spPr>
           <a:xfrm rot="2625600">
-            <a:off x="4861080" y="4147920"/>
-            <a:ext cx="470160" cy="470160"/>
+            <a:off x="4861080" y="4146840"/>
+            <a:ext cx="468000" cy="468000"/>
           </a:xfrm>
           <a:prstGeom prst="roundRect">
             <a:avLst>
@@ -6362,8 +6358,8 @@
         </p:nvSpPr>
         <p:spPr>
           <a:xfrm rot="2744400">
-            <a:off x="-352080" y="4541400"/>
-            <a:ext cx="706320" cy="705960"/>
+            <a:off x="-349920" y="4539960"/>
+            <a:ext cx="704160" cy="703800"/>
           </a:xfrm>
           <a:prstGeom prst="roundRect">
             <a:avLst>
@@ -6400,8 +6396,8 @@
         </p:nvSpPr>
         <p:spPr>
           <a:xfrm rot="19228200">
-            <a:off x="5847840" y="-2268360"/>
-            <a:ext cx="4857120" cy="7728120"/>
+            <a:off x="5846040" y="-2266200"/>
+            <a:ext cx="4854960" cy="7725960"/>
           </a:xfrm>
           <a:prstGeom prst="roundRect">
             <a:avLst>
@@ -6439,9 +6435,9 @@
         <p:grpSpPr>
           <a:xfrm>
             <a:off x="4571640" y="828000"/>
-            <a:ext cx="4470120" cy="3566160"/>
+            <a:ext cx="4467960" cy="3564000"/>
             <a:chOff x="4571640" y="828000"/>
-            <a:chExt cx="4470120" cy="3566160"/>
+            <a:chExt cx="4467960" cy="3564000"/>
           </a:xfrm>
         </p:grpSpPr>
         <p:pic>
@@ -6457,7 +6453,7 @@
           <p:spPr>
             <a:xfrm>
               <a:off x="4571640" y="828000"/>
-              <a:ext cx="4470120" cy="3566160"/>
+              <a:ext cx="4467960" cy="3564000"/>
             </a:xfrm>
             <a:prstGeom prst="rect">
               <a:avLst/>
@@ -6475,8 +6471,8 @@
           </p:nvSpPr>
           <p:spPr>
             <a:xfrm rot="16200000">
-              <a:off x="5962680" y="1157040"/>
-              <a:ext cx="1739160" cy="2773080"/>
+              <a:off x="5962680" y="1159200"/>
+              <a:ext cx="1737000" cy="2770920"/>
             </a:xfrm>
             <a:prstGeom prst="roundRect">
               <a:avLst>
@@ -6543,7 +6539,7 @@
         <p:spPr>
           <a:xfrm>
             <a:off x="586440" y="1246680"/>
-            <a:ext cx="4006080" cy="3601800"/>
+            <a:ext cx="4003920" cy="3599640"/>
           </a:xfrm>
           <a:prstGeom prst="rect">
             <a:avLst/>
@@ -6595,7 +6591,7 @@
         <p:spPr>
           <a:xfrm>
             <a:off x="5446080" y="1672200"/>
-            <a:ext cx="2782080" cy="1739160"/>
+            <a:ext cx="2779920" cy="1737000"/>
           </a:xfrm>
           <a:prstGeom prst="rect">
             <a:avLst/>
@@ -6647,7 +6643,7 @@
         <p:spPr>
           <a:xfrm>
             <a:off x="586440" y="453960"/>
-            <a:ext cx="3698640" cy="857160"/>
+            <a:ext cx="3696480" cy="855000"/>
           </a:xfrm>
           <a:prstGeom prst="rect">
             <a:avLst/>
@@ -6736,7 +6732,7 @@
         <p:spPr>
           <a:xfrm>
             <a:off x="4222080" y="1246680"/>
-            <a:ext cx="4116960" cy="3601800"/>
+            <a:ext cx="4114800" cy="3599640"/>
           </a:xfrm>
           <a:prstGeom prst="rect">
             <a:avLst/>
@@ -6787,8 +6783,8 @@
         </p:nvSpPr>
         <p:spPr>
           <a:xfrm rot="16200000">
-            <a:off x="-2181600" y="1731600"/>
-            <a:ext cx="5145840" cy="1685880"/>
+            <a:off x="-2181600" y="1733760"/>
+            <a:ext cx="5143680" cy="1683720"/>
           </a:xfrm>
           <a:prstGeom prst="roundRect">
             <a:avLst>
@@ -6825,8 +6821,8 @@
         </p:nvSpPr>
         <p:spPr>
           <a:xfrm rot="2745000">
-            <a:off x="8575200" y="105120"/>
-            <a:ext cx="1134360" cy="1134000"/>
+            <a:off x="8575200" y="103320"/>
+            <a:ext cx="1132200" cy="1131840"/>
           </a:xfrm>
           <a:prstGeom prst="roundRect">
             <a:avLst>
@@ -6863,8 +6859,8 @@
         </p:nvSpPr>
         <p:spPr>
           <a:xfrm rot="16200000">
-            <a:off x="614880" y="916920"/>
-            <a:ext cx="3233880" cy="3315600"/>
+            <a:off x="614880" y="919080"/>
+            <a:ext cx="3231720" cy="3313440"/>
           </a:xfrm>
           <a:prstGeom prst="roundRect">
             <a:avLst>
@@ -6930,7 +6926,7 @@
         <p:spPr>
           <a:xfrm>
             <a:off x="4214160" y="456120"/>
-            <a:ext cx="4113720" cy="857160"/>
+            <a:ext cx="4111560" cy="855000"/>
           </a:xfrm>
           <a:prstGeom prst="rect">
             <a:avLst/>
@@ -7018,8 +7014,8 @@
         </p:nvSpPr>
         <p:spPr>
           <a:xfrm rot="2744400">
-            <a:off x="-282960" y="-26280"/>
-            <a:ext cx="706320" cy="705960"/>
+            <a:off x="-280800" y="-25560"/>
+            <a:ext cx="704160" cy="703800"/>
           </a:xfrm>
           <a:prstGeom prst="roundRect">
             <a:avLst>
@@ -7056,8 +7052,8 @@
         </p:nvSpPr>
         <p:spPr>
           <a:xfrm rot="2332200">
-            <a:off x="6009480" y="-320040"/>
-            <a:ext cx="4857480" cy="7728480"/>
+            <a:off x="6009480" y="-319680"/>
+            <a:ext cx="4855320" cy="7726320"/>
           </a:xfrm>
           <a:prstGeom prst="roundRect">
             <a:avLst>
@@ -7095,9 +7091,9 @@
         <p:grpSpPr>
           <a:xfrm>
             <a:off x="4571640" y="828000"/>
-            <a:ext cx="4470120" cy="3566160"/>
+            <a:ext cx="4467960" cy="3564000"/>
             <a:chOff x="4571640" y="828000"/>
-            <a:chExt cx="4470120" cy="3566160"/>
+            <a:chExt cx="4467960" cy="3564000"/>
           </a:xfrm>
         </p:grpSpPr>
         <p:pic>
@@ -7113,7 +7109,7 @@
           <p:spPr>
             <a:xfrm>
               <a:off x="4571640" y="828000"/>
-              <a:ext cx="4470120" cy="3566160"/>
+              <a:ext cx="4467960" cy="3564000"/>
             </a:xfrm>
             <a:prstGeom prst="rect">
               <a:avLst/>
@@ -7131,8 +7127,8 @@
           </p:nvSpPr>
           <p:spPr>
             <a:xfrm rot="16200000">
-              <a:off x="5962680" y="1157040"/>
-              <a:ext cx="1739160" cy="2773080"/>
+              <a:off x="5962680" y="1159200"/>
+              <a:ext cx="1737000" cy="2770920"/>
             </a:xfrm>
             <a:prstGeom prst="roundRect">
               <a:avLst>
@@ -7199,7 +7195,7 @@
         <p:spPr>
           <a:xfrm>
             <a:off x="5446080" y="1672200"/>
-            <a:ext cx="2772720" cy="1739160"/>
+            <a:ext cx="2770560" cy="1737000"/>
           </a:xfrm>
           <a:prstGeom prst="rect">
             <a:avLst/>
@@ -7251,7 +7247,7 @@
         <p:spPr>
           <a:xfrm>
             <a:off x="586440" y="1246680"/>
-            <a:ext cx="4006080" cy="3601800"/>
+            <a:ext cx="4003920" cy="3599640"/>
           </a:xfrm>
           <a:prstGeom prst="rect">
             <a:avLst/>
@@ -7303,7 +7299,7 @@
         <p:spPr>
           <a:xfrm>
             <a:off x="586440" y="453960"/>
-            <a:ext cx="4766040" cy="857160"/>
+            <a:ext cx="4763880" cy="855000"/>
           </a:xfrm>
           <a:prstGeom prst="rect">
             <a:avLst/>
@@ -7391,8 +7387,8 @@
         </p:nvSpPr>
         <p:spPr>
           <a:xfrm rot="2745600">
-            <a:off x="8349840" y="-668520"/>
-            <a:ext cx="1500120" cy="1500120"/>
+            <a:off x="8349840" y="-668160"/>
+            <a:ext cx="1497960" cy="1497960"/>
           </a:xfrm>
           <a:prstGeom prst="roundRect">
             <a:avLst>
@@ -7429,8 +7425,8 @@
         </p:nvSpPr>
         <p:spPr>
           <a:xfrm rot="2745600">
-            <a:off x="7634160" y="-322920"/>
-            <a:ext cx="808920" cy="809280"/>
+            <a:off x="7634160" y="-322200"/>
+            <a:ext cx="806760" cy="807120"/>
           </a:xfrm>
           <a:prstGeom prst="roundRect">
             <a:avLst>
@@ -7469,7 +7465,7 @@
         <p:spPr>
           <a:xfrm>
             <a:off x="586440" y="899640"/>
-            <a:ext cx="7933680" cy="1539000"/>
+            <a:ext cx="7931520" cy="1536840"/>
           </a:xfrm>
           <a:prstGeom prst="rect">
             <a:avLst/>
@@ -7521,7 +7517,7 @@
         <p:spPr>
           <a:xfrm>
             <a:off x="608040" y="2545560"/>
-            <a:ext cx="3714120" cy="2257560"/>
+            <a:ext cx="3711960" cy="2255400"/>
           </a:xfrm>
           <a:prstGeom prst="rect">
             <a:avLst/>
@@ -7573,7 +7569,7 @@
         <p:spPr>
           <a:xfrm>
             <a:off x="4806360" y="2545560"/>
-            <a:ext cx="3714120" cy="2257560"/>
+            <a:ext cx="3711960" cy="2255400"/>
           </a:xfrm>
           <a:prstGeom prst="rect">
             <a:avLst/>
@@ -7625,7 +7621,7 @@
         <p:spPr>
           <a:xfrm>
             <a:off x="583200" y="450720"/>
-            <a:ext cx="7200000" cy="514080"/>
+            <a:ext cx="7197840" cy="511920"/>
           </a:xfrm>
           <a:prstGeom prst="rect">
             <a:avLst/>
@@ -7707,7 +7703,7 @@
         <p:spPr>
           <a:xfrm>
             <a:off x="586440" y="1246680"/>
-            <a:ext cx="4006080" cy="3601800"/>
+            <a:ext cx="4003920" cy="3599640"/>
           </a:xfrm>
           <a:prstGeom prst="rect">
             <a:avLst/>
@@ -7759,7 +7755,7 @@
         <p:spPr>
           <a:xfrm>
             <a:off x="559800" y="446040"/>
-            <a:ext cx="4285440" cy="685440"/>
+            <a:ext cx="4283280" cy="683280"/>
           </a:xfrm>
           <a:prstGeom prst="rect">
             <a:avLst/>
@@ -7811,7 +7807,7 @@
         <p:spPr>
           <a:xfrm>
             <a:off x="5097600" y="360"/>
-            <a:ext cx="4381560" cy="5145840"/>
+            <a:ext cx="4379400" cy="5143680"/>
           </a:xfrm>
           <a:prstGeom prst="roundRect">
             <a:avLst>
@@ -7876,8 +7872,8 @@
         </p:nvSpPr>
         <p:spPr>
           <a:xfrm rot="2744400">
-            <a:off x="-282960" y="-26280"/>
-            <a:ext cx="706320" cy="705960"/>
+            <a:off x="-280800" y="-25560"/>
+            <a:ext cx="704160" cy="703800"/>
           </a:xfrm>
           <a:prstGeom prst="roundRect">
             <a:avLst>
@@ -7914,8 +7910,8 @@
         </p:nvSpPr>
         <p:spPr>
           <a:xfrm rot="2625600">
-            <a:off x="4861080" y="4147920"/>
-            <a:ext cx="470160" cy="470160"/>
+            <a:off x="4861080" y="4146840"/>
+            <a:ext cx="468000" cy="468000"/>
           </a:xfrm>
           <a:prstGeom prst="roundRect">
             <a:avLst>
@@ -7989,8 +7985,8 @@
         </p:nvSpPr>
         <p:spPr>
           <a:xfrm rot="2744400">
-            <a:off x="-352080" y="4541400"/>
-            <a:ext cx="706320" cy="705960"/>
+            <a:off x="-349920" y="4539960"/>
+            <a:ext cx="704160" cy="703800"/>
           </a:xfrm>
           <a:prstGeom prst="roundRect">
             <a:avLst>
@@ -8027,8 +8023,8 @@
         </p:nvSpPr>
         <p:spPr>
           <a:xfrm rot="19228200">
-            <a:off x="5847840" y="-2268360"/>
-            <a:ext cx="4857120" cy="7728120"/>
+            <a:off x="5846040" y="-2266200"/>
+            <a:ext cx="4854960" cy="7725960"/>
           </a:xfrm>
           <a:prstGeom prst="roundRect">
             <a:avLst>
@@ -8066,9 +8062,9 @@
         <p:grpSpPr>
           <a:xfrm>
             <a:off x="4571640" y="828000"/>
-            <a:ext cx="4470120" cy="3566160"/>
+            <a:ext cx="4467960" cy="3564000"/>
             <a:chOff x="4571640" y="828000"/>
-            <a:chExt cx="4470120" cy="3566160"/>
+            <a:chExt cx="4467960" cy="3564000"/>
           </a:xfrm>
         </p:grpSpPr>
         <p:pic>
@@ -8084,7 +8080,7 @@
           <p:spPr>
             <a:xfrm>
               <a:off x="4571640" y="828000"/>
-              <a:ext cx="4470120" cy="3566160"/>
+              <a:ext cx="4467960" cy="3564000"/>
             </a:xfrm>
             <a:prstGeom prst="rect">
               <a:avLst/>
@@ -8102,8 +8098,8 @@
           </p:nvSpPr>
           <p:spPr>
             <a:xfrm rot="16200000">
-              <a:off x="5962680" y="1157040"/>
-              <a:ext cx="1739160" cy="2773080"/>
+              <a:off x="5962680" y="1159200"/>
+              <a:ext cx="1737000" cy="2770920"/>
             </a:xfrm>
             <a:prstGeom prst="roundRect">
               <a:avLst>
@@ -8170,7 +8166,7 @@
         <p:spPr>
           <a:xfrm>
             <a:off x="586440" y="1246680"/>
-            <a:ext cx="4006080" cy="3601800"/>
+            <a:ext cx="4003920" cy="3599640"/>
           </a:xfrm>
           <a:prstGeom prst="rect">
             <a:avLst/>
@@ -8222,7 +8218,7 @@
         <p:spPr>
           <a:xfrm>
             <a:off x="5446080" y="1672200"/>
-            <a:ext cx="2782080" cy="1739160"/>
+            <a:ext cx="2779920" cy="1737000"/>
           </a:xfrm>
           <a:prstGeom prst="rect">
             <a:avLst/>
@@ -8274,7 +8270,7 @@
         <p:spPr>
           <a:xfrm>
             <a:off x="586440" y="453960"/>
-            <a:ext cx="3698640" cy="857160"/>
+            <a:ext cx="3696480" cy="855000"/>
           </a:xfrm>
           <a:prstGeom prst="rect">
             <a:avLst/>
@@ -8363,7 +8359,7 @@
         <p:spPr>
           <a:xfrm>
             <a:off x="4222080" y="1246680"/>
-            <a:ext cx="4116960" cy="3601800"/>
+            <a:ext cx="4114800" cy="3599640"/>
           </a:xfrm>
           <a:prstGeom prst="rect">
             <a:avLst/>
@@ -8414,8 +8410,8 @@
         </p:nvSpPr>
         <p:spPr>
           <a:xfrm rot="16200000">
-            <a:off x="-2181600" y="1731600"/>
-            <a:ext cx="5145840" cy="1685880"/>
+            <a:off x="-2181600" y="1733760"/>
+            <a:ext cx="5143680" cy="1683720"/>
           </a:xfrm>
           <a:prstGeom prst="roundRect">
             <a:avLst>
@@ -8452,8 +8448,8 @@
         </p:nvSpPr>
         <p:spPr>
           <a:xfrm rot="2745000">
-            <a:off x="8575200" y="105120"/>
-            <a:ext cx="1134360" cy="1134000"/>
+            <a:off x="8575200" y="103320"/>
+            <a:ext cx="1132200" cy="1131840"/>
           </a:xfrm>
           <a:prstGeom prst="roundRect">
             <a:avLst>
@@ -8490,8 +8486,8 @@
         </p:nvSpPr>
         <p:spPr>
           <a:xfrm rot="16200000">
-            <a:off x="614880" y="916920"/>
-            <a:ext cx="3233880" cy="3315600"/>
+            <a:off x="614880" y="919080"/>
+            <a:ext cx="3231720" cy="3313440"/>
           </a:xfrm>
           <a:prstGeom prst="roundRect">
             <a:avLst>
@@ -8557,7 +8553,7 @@
         <p:spPr>
           <a:xfrm>
             <a:off x="4214160" y="456120"/>
-            <a:ext cx="4113720" cy="857160"/>
+            <a:ext cx="4111560" cy="855000"/>
           </a:xfrm>
           <a:prstGeom prst="rect">
             <a:avLst/>
